--- a/ПЕРЕЗАПУСК_Data Analyst_Царегородцева_Татьяна_Владимировна.pptx
+++ b/ПЕРЕЗАПУСК_Data Analyst_Царегородцева_Татьяна_Владимировна.pptx
@@ -286,7 +286,7 @@
           <p:cNvPr id="18" name="Прямоугольник 17">
             <a:extLst>
               <a:ext uri="{FF2B5EF4-FFF2-40B4-BE49-F238E27FC236}">
-                <a16:creationId xmlns:a16="http://schemas.microsoft.com/office/drawing/2014/main" xmlns="" id="{CBC5F2EB-A7EF-7341-95C5-1D35103D9A8D}"/>
+                <a16:creationId xmlns="" xmlns:a16="http://schemas.microsoft.com/office/drawing/2014/main" id="{CBC5F2EB-A7EF-7341-95C5-1D35103D9A8D}"/>
               </a:ext>
             </a:extLst>
           </p:cNvPr>
@@ -3411,47 +3411,6 @@
                 <a:latin typeface="Times New Roman" panose="02020603050405020304" pitchFamily="18" charset="0"/>
                 <a:cs typeface="Times New Roman" panose="02020603050405020304" pitchFamily="18" charset="0"/>
               </a:rPr>
-              <a:t>Данные по зарплатам в </a:t>
-            </a:r>
-            <a:r>
-              <a:rPr lang="ru-RU" sz="1800" dirty="0" err="1">
-                <a:latin typeface="Times New Roman" panose="02020603050405020304" pitchFamily="18" charset="0"/>
-                <a:cs typeface="Times New Roman" panose="02020603050405020304" pitchFamily="18" charset="0"/>
-              </a:rPr>
-              <a:t>San</a:t>
-            </a:r>
-            <a:r>
-              <a:rPr lang="ru-RU" sz="1800" dirty="0">
-                <a:latin typeface="Times New Roman" panose="02020603050405020304" pitchFamily="18" charset="0"/>
-                <a:cs typeface="Times New Roman" panose="02020603050405020304" pitchFamily="18" charset="0"/>
-              </a:rPr>
-              <a:t> </a:t>
-            </a:r>
-            <a:r>
-              <a:rPr lang="ru-RU" sz="1800" dirty="0" err="1" smtClean="0">
-                <a:latin typeface="Times New Roman" panose="02020603050405020304" pitchFamily="18" charset="0"/>
-                <a:cs typeface="Times New Roman" panose="02020603050405020304" pitchFamily="18" charset="0"/>
-              </a:rPr>
-              <a:t>Francisco</a:t>
-            </a:r>
-            <a:r>
-              <a:rPr lang="ru-RU" sz="1800" dirty="0" smtClean="0">
-                <a:latin typeface="Times New Roman" panose="02020603050405020304" pitchFamily="18" charset="0"/>
-                <a:cs typeface="Times New Roman" panose="02020603050405020304" pitchFamily="18" charset="0"/>
-              </a:rPr>
-              <a:t> сотрудников разных департаментов.</a:t>
-            </a:r>
-            <a:endParaRPr lang="ru-RU" sz="1800" dirty="0">
-              <a:latin typeface="Times New Roman" panose="02020603050405020304" pitchFamily="18" charset="0"/>
-              <a:cs typeface="Times New Roman" panose="02020603050405020304" pitchFamily="18" charset="0"/>
-            </a:endParaRPr>
-          </a:p>
-          <a:p>
-            <a:r>
-              <a:rPr lang="ru-RU" sz="1800" dirty="0" smtClean="0">
-                <a:latin typeface="Times New Roman" panose="02020603050405020304" pitchFamily="18" charset="0"/>
-                <a:cs typeface="Times New Roman" panose="02020603050405020304" pitchFamily="18" charset="0"/>
-              </a:rPr>
               <a:t>Провести </a:t>
             </a:r>
             <a:r>
@@ -3853,53 +3812,54 @@
             <a:pPr marL="514350" indent="-514350">
               <a:buAutoNum type="arabicPeriod"/>
             </a:pPr>
+            <a:endParaRPr lang="ru-RU" sz="1900" dirty="0" smtClean="0">
+              <a:latin typeface="Times New Roman" panose="02020603050405020304" pitchFamily="18" charset="0"/>
+              <a:cs typeface="Times New Roman" panose="02020603050405020304" pitchFamily="18" charset="0"/>
+            </a:endParaRPr>
+          </a:p>
+          <a:p>
+            <a:pPr marL="514350" indent="-514350">
+              <a:buAutoNum type="arabicPeriod"/>
+            </a:pPr>
+            <a:r>
+              <a:rPr lang="ru-RU" sz="1900" dirty="0" err="1" smtClean="0">
+                <a:latin typeface="Times New Roman" panose="02020603050405020304" pitchFamily="18" charset="0"/>
+                <a:cs typeface="Times New Roman" panose="02020603050405020304" pitchFamily="18" charset="0"/>
+              </a:rPr>
+              <a:t>А</a:t>
+            </a:r>
+            <a:r>
+              <a:rPr lang="ru-RU" sz="1900" dirty="0" err="1" smtClean="0">
+                <a:latin typeface="Times New Roman" panose="02020603050405020304" pitchFamily="18" charset="0"/>
+                <a:cs typeface="Times New Roman" panose="02020603050405020304" pitchFamily="18" charset="0"/>
+              </a:rPr>
+              <a:t>анализ</a:t>
+            </a:r>
             <a:r>
               <a:rPr lang="ru-RU" sz="1900" dirty="0" smtClean="0">
                 <a:latin typeface="Times New Roman" panose="02020603050405020304" pitchFamily="18" charset="0"/>
                 <a:cs typeface="Times New Roman" panose="02020603050405020304" pitchFamily="18" charset="0"/>
               </a:rPr>
-              <a:t>Проведен </a:t>
-            </a:r>
-            <a:r>
-              <a:rPr lang="ru-RU" sz="1900" dirty="0">
-                <a:latin typeface="Times New Roman" panose="02020603050405020304" pitchFamily="18" charset="0"/>
-                <a:cs typeface="Times New Roman" panose="02020603050405020304" pitchFamily="18" charset="0"/>
-              </a:rPr>
-              <a:t>анализ </a:t>
+              <a:t> </a:t>
             </a:r>
             <a:r>
               <a:rPr lang="ru-RU" sz="1900" dirty="0" smtClean="0">
                 <a:latin typeface="Times New Roman" panose="02020603050405020304" pitchFamily="18" charset="0"/>
                 <a:cs typeface="Times New Roman" panose="02020603050405020304" pitchFamily="18" charset="0"/>
               </a:rPr>
-              <a:t>и корректировка нужных </a:t>
-            </a:r>
-          </a:p>
-          <a:p>
-            <a:pPr marL="0" indent="0">
-              <a:buNone/>
-            </a:pPr>
+              <a:t>и </a:t>
+            </a:r>
             <a:r>
               <a:rPr lang="ru-RU" sz="1900" dirty="0" smtClean="0">
                 <a:latin typeface="Times New Roman" panose="02020603050405020304" pitchFamily="18" charset="0"/>
                 <a:cs typeface="Times New Roman" panose="02020603050405020304" pitchFamily="18" charset="0"/>
               </a:rPr>
-              <a:t>нам </a:t>
-            </a:r>
-            <a:r>
-              <a:rPr lang="ru-RU" sz="1900" dirty="0">
-                <a:latin typeface="Times New Roman" panose="02020603050405020304" pitchFamily="18" charset="0"/>
-                <a:cs typeface="Times New Roman" panose="02020603050405020304" pitchFamily="18" charset="0"/>
-              </a:rPr>
-              <a:t>параметров находящихся в </a:t>
-            </a:r>
-            <a:r>
-              <a:rPr lang="ru-RU" sz="1900" dirty="0" smtClean="0">
-                <a:latin typeface="Times New Roman" panose="02020603050405020304" pitchFamily="18" charset="0"/>
-                <a:cs typeface="Times New Roman" panose="02020603050405020304" pitchFamily="18" charset="0"/>
-              </a:rPr>
-              <a:t>файле.</a:t>
-            </a:r>
+              <a:t>корректировка параметров.</a:t>
+            </a:r>
+            <a:endParaRPr lang="ru-RU" sz="1900" dirty="0" smtClean="0">
+              <a:latin typeface="Times New Roman" panose="02020603050405020304" pitchFamily="18" charset="0"/>
+              <a:cs typeface="Times New Roman" panose="02020603050405020304" pitchFamily="18" charset="0"/>
+            </a:endParaRPr>
           </a:p>
           <a:p>
             <a:pPr marL="514350" indent="-514350">
@@ -3910,7 +3870,7 @@
                 <a:latin typeface="Times New Roman" panose="02020603050405020304" pitchFamily="18" charset="0"/>
                 <a:cs typeface="Times New Roman" panose="02020603050405020304" pitchFamily="18" charset="0"/>
               </a:rPr>
-              <a:t>Проведена группировка </a:t>
+              <a:t>Группировка </a:t>
             </a:r>
             <a:r>
               <a:rPr lang="ru-RU" sz="1900" dirty="0">
@@ -4104,19 +4064,33 @@
                 <a:latin typeface="Times New Roman" panose="02020603050405020304" pitchFamily="18" charset="0"/>
                 <a:cs typeface="Times New Roman" panose="02020603050405020304" pitchFamily="18" charset="0"/>
               </a:rPr>
-              <a:t>4.   Рассмотрена связь с инфляцией.</a:t>
-            </a:r>
-          </a:p>
-          <a:p>
-            <a:pPr marL="514350" indent="-514350">
-              <a:buAutoNum type="arabicPeriod" startAt="5"/>
+              <a:t>4.   </a:t>
+            </a:r>
+            <a:r>
+              <a:rPr lang="ru-RU" sz="1900" dirty="0" smtClean="0">
+                <a:latin typeface="Times New Roman" panose="02020603050405020304" pitchFamily="18" charset="0"/>
+                <a:cs typeface="Times New Roman" panose="02020603050405020304" pitchFamily="18" charset="0"/>
+              </a:rPr>
+              <a:t>Связь </a:t>
+            </a:r>
+            <a:r>
+              <a:rPr lang="ru-RU" sz="1900" dirty="0" smtClean="0">
+                <a:latin typeface="Times New Roman" panose="02020603050405020304" pitchFamily="18" charset="0"/>
+                <a:cs typeface="Times New Roman" panose="02020603050405020304" pitchFamily="18" charset="0"/>
+              </a:rPr>
+              <a:t>с инфляцией.</a:t>
+            </a:r>
+          </a:p>
+          <a:p>
+            <a:pPr marL="0" indent="0">
+              <a:buNone/>
             </a:pPr>
             <a:r>
               <a:rPr lang="ru-RU" sz="1900" dirty="0" smtClean="0">
                 <a:latin typeface="Times New Roman" panose="02020603050405020304" pitchFamily="18" charset="0"/>
                 <a:cs typeface="Times New Roman" panose="02020603050405020304" pitchFamily="18" charset="0"/>
               </a:rPr>
-              <a:t>На </a:t>
+              <a:t>5. На </a:t>
             </a:r>
             <a:r>
               <a:rPr lang="ru-RU" sz="1900" dirty="0">
@@ -4125,18 +4099,6 @@
               </a:rPr>
               <a:t>базе линейной регрессии </a:t>
             </a:r>
-            <a:r>
-              <a:rPr lang="ru-RU" sz="1900" dirty="0" smtClean="0">
-                <a:latin typeface="Times New Roman" panose="02020603050405020304" pitchFamily="18" charset="0"/>
-                <a:cs typeface="Times New Roman" panose="02020603050405020304" pitchFamily="18" charset="0"/>
-              </a:rPr>
-              <a:t>проведен </a:t>
-            </a:r>
-          </a:p>
-          <a:p>
-            <a:pPr marL="514350" indent="-514350">
-              <a:buAutoNum type="arabicPeriod" startAt="5"/>
-            </a:pPr>
             <a:r>
               <a:rPr lang="ru-RU" sz="1900" dirty="0" smtClean="0">
                 <a:latin typeface="Times New Roman" panose="02020603050405020304" pitchFamily="18" charset="0"/>
@@ -4364,7 +4326,7 @@
                 <a:latin typeface="Times New Roman" panose="02020603050405020304" pitchFamily="18" charset="0"/>
                 <a:cs typeface="Times New Roman" panose="02020603050405020304" pitchFamily="18" charset="0"/>
               </a:rPr>
-              <a:t>По значению </a:t>
+              <a:t>Выборка по </a:t>
             </a:r>
             <a:r>
               <a:rPr lang="en-US" sz="1800" b="1" dirty="0" err="1" smtClean="0">
@@ -4378,14 +4340,42 @@
                 <a:latin typeface="Times New Roman" panose="02020603050405020304" pitchFamily="18" charset="0"/>
                 <a:cs typeface="Times New Roman" panose="02020603050405020304" pitchFamily="18" charset="0"/>
               </a:rPr>
-              <a:t> (</a:t>
+              <a:t> </a:t>
+            </a:r>
+            <a:r>
+              <a:rPr lang="ru-RU" sz="1800" b="1" dirty="0">
+                <a:latin typeface="Times New Roman" panose="02020603050405020304" pitchFamily="18" charset="0"/>
+                <a:cs typeface="Times New Roman" panose="02020603050405020304" pitchFamily="18" charset="0"/>
+              </a:rPr>
+              <a:t>(</a:t>
+            </a:r>
+            <a:r>
+              <a:rPr lang="ru-RU" sz="1800" dirty="0">
+                <a:latin typeface="Times New Roman" panose="02020603050405020304" pitchFamily="18" charset="0"/>
+                <a:cs typeface="Times New Roman" panose="02020603050405020304" pitchFamily="18" charset="0"/>
+              </a:rPr>
+              <a:t>должность сотрудника) (</a:t>
             </a:r>
             <a:r>
               <a:rPr lang="ru-RU" sz="1800" dirty="0" smtClean="0">
                 <a:latin typeface="Times New Roman" panose="02020603050405020304" pitchFamily="18" charset="0"/>
                 <a:cs typeface="Times New Roman" panose="02020603050405020304" pitchFamily="18" charset="0"/>
               </a:rPr>
-              <a:t>должность сотрудника) проведена выборка (по ключевым словам) необходимых департаментов; </a:t>
+              <a:t>по ключевым словам) </a:t>
+            </a:r>
+            <a:r>
+              <a:rPr lang="ru-RU" sz="1800" dirty="0" smtClean="0">
+                <a:latin typeface="Times New Roman" panose="02020603050405020304" pitchFamily="18" charset="0"/>
+                <a:cs typeface="Times New Roman" panose="02020603050405020304" pitchFamily="18" charset="0"/>
+              </a:rPr>
+              <a:t>департаментов</a:t>
+            </a:r>
+            <a:r>
+              <a:rPr lang="ru-RU" sz="1800" dirty="0" smtClean="0">
+                <a:latin typeface="Times New Roman" panose="02020603050405020304" pitchFamily="18" charset="0"/>
+                <a:cs typeface="Times New Roman" panose="02020603050405020304" pitchFamily="18" charset="0"/>
+              </a:rPr>
+              <a:t>; </a:t>
             </a:r>
           </a:p>
           <a:p>
